--- a/dapr1_lectures/dapr1_2_05_errorspower/images/ht-errors.pptx
+++ b/dapr1_lectures/dapr1_2_05_errorspower/images/ht-errors.pptx
@@ -6,19 +6,21 @@
   </p:sldMasterIdLst>
   <p:sldIdLst>
     <p:sldId id="256" r:id="rId2"/>
-    <p:sldId id="257" r:id="rId3"/>
-    <p:sldId id="263" r:id="rId4"/>
-    <p:sldId id="264" r:id="rId5"/>
-    <p:sldId id="265" r:id="rId6"/>
-    <p:sldId id="266" r:id="rId7"/>
-    <p:sldId id="267" r:id="rId8"/>
-    <p:sldId id="268" r:id="rId9"/>
-    <p:sldId id="269" r:id="rId10"/>
-    <p:sldId id="270" r:id="rId11"/>
-    <p:sldId id="271" r:id="rId12"/>
-    <p:sldId id="272" r:id="rId13"/>
-    <p:sldId id="273" r:id="rId14"/>
-    <p:sldId id="274" r:id="rId15"/>
+    <p:sldId id="275" r:id="rId3"/>
+    <p:sldId id="276" r:id="rId4"/>
+    <p:sldId id="257" r:id="rId5"/>
+    <p:sldId id="263" r:id="rId6"/>
+    <p:sldId id="264" r:id="rId7"/>
+    <p:sldId id="265" r:id="rId8"/>
+    <p:sldId id="266" r:id="rId9"/>
+    <p:sldId id="267" r:id="rId10"/>
+    <p:sldId id="268" r:id="rId11"/>
+    <p:sldId id="269" r:id="rId12"/>
+    <p:sldId id="270" r:id="rId13"/>
+    <p:sldId id="271" r:id="rId14"/>
+    <p:sldId id="272" r:id="rId15"/>
+    <p:sldId id="273" r:id="rId16"/>
+    <p:sldId id="274" r:id="rId17"/>
   </p:sldIdLst>
   <p:sldSz cx="12192000" cy="6858000"/>
   <p:notesSz cx="6858000" cy="9144000"/>
@@ -274,7 +276,7 @@
           <a:p>
             <a:fld id="{5BCA7FD3-5D90-5D4B-9089-88DF3B8FE342}" type="datetimeFigureOut">
               <a:rPr lang="en-US" smtClean="0"/>
-              <a:t>2/9/22</a:t>
+              <a:t>2/9/24</a:t>
             </a:fld>
             <a:endParaRPr lang="en-US"/>
           </a:p>
@@ -474,7 +476,7 @@
           <a:p>
             <a:fld id="{5BCA7FD3-5D90-5D4B-9089-88DF3B8FE342}" type="datetimeFigureOut">
               <a:rPr lang="en-US" smtClean="0"/>
-              <a:t>2/9/22</a:t>
+              <a:t>2/9/24</a:t>
             </a:fld>
             <a:endParaRPr lang="en-US"/>
           </a:p>
@@ -684,7 +686,7 @@
           <a:p>
             <a:fld id="{5BCA7FD3-5D90-5D4B-9089-88DF3B8FE342}" type="datetimeFigureOut">
               <a:rPr lang="en-US" smtClean="0"/>
-              <a:t>2/9/22</a:t>
+              <a:t>2/9/24</a:t>
             </a:fld>
             <a:endParaRPr lang="en-US"/>
           </a:p>
@@ -884,7 +886,7 @@
           <a:p>
             <a:fld id="{5BCA7FD3-5D90-5D4B-9089-88DF3B8FE342}" type="datetimeFigureOut">
               <a:rPr lang="en-US" smtClean="0"/>
-              <a:t>2/9/22</a:t>
+              <a:t>2/9/24</a:t>
             </a:fld>
             <a:endParaRPr lang="en-US"/>
           </a:p>
@@ -1160,7 +1162,7 @@
           <a:p>
             <a:fld id="{5BCA7FD3-5D90-5D4B-9089-88DF3B8FE342}" type="datetimeFigureOut">
               <a:rPr lang="en-US" smtClean="0"/>
-              <a:t>2/9/22</a:t>
+              <a:t>2/9/24</a:t>
             </a:fld>
             <a:endParaRPr lang="en-US"/>
           </a:p>
@@ -1428,7 +1430,7 @@
           <a:p>
             <a:fld id="{5BCA7FD3-5D90-5D4B-9089-88DF3B8FE342}" type="datetimeFigureOut">
               <a:rPr lang="en-US" smtClean="0"/>
-              <a:t>2/9/22</a:t>
+              <a:t>2/9/24</a:t>
             </a:fld>
             <a:endParaRPr lang="en-US"/>
           </a:p>
@@ -1843,7 +1845,7 @@
           <a:p>
             <a:fld id="{5BCA7FD3-5D90-5D4B-9089-88DF3B8FE342}" type="datetimeFigureOut">
               <a:rPr lang="en-US" smtClean="0"/>
-              <a:t>2/9/22</a:t>
+              <a:t>2/9/24</a:t>
             </a:fld>
             <a:endParaRPr lang="en-US"/>
           </a:p>
@@ -1985,7 +1987,7 @@
           <a:p>
             <a:fld id="{5BCA7FD3-5D90-5D4B-9089-88DF3B8FE342}" type="datetimeFigureOut">
               <a:rPr lang="en-US" smtClean="0"/>
-              <a:t>2/9/22</a:t>
+              <a:t>2/9/24</a:t>
             </a:fld>
             <a:endParaRPr lang="en-US"/>
           </a:p>
@@ -2098,7 +2100,7 @@
           <a:p>
             <a:fld id="{5BCA7FD3-5D90-5D4B-9089-88DF3B8FE342}" type="datetimeFigureOut">
               <a:rPr lang="en-US" smtClean="0"/>
-              <a:t>2/9/22</a:t>
+              <a:t>2/9/24</a:t>
             </a:fld>
             <a:endParaRPr lang="en-US"/>
           </a:p>
@@ -2411,7 +2413,7 @@
           <a:p>
             <a:fld id="{5BCA7FD3-5D90-5D4B-9089-88DF3B8FE342}" type="datetimeFigureOut">
               <a:rPr lang="en-US" smtClean="0"/>
-              <a:t>2/9/22</a:t>
+              <a:t>2/9/24</a:t>
             </a:fld>
             <a:endParaRPr lang="en-US"/>
           </a:p>
@@ -2700,7 +2702,7 @@
           <a:p>
             <a:fld id="{5BCA7FD3-5D90-5D4B-9089-88DF3B8FE342}" type="datetimeFigureOut">
               <a:rPr lang="en-US" smtClean="0"/>
-              <a:t>2/9/22</a:t>
+              <a:t>2/9/24</a:t>
             </a:fld>
             <a:endParaRPr lang="en-US"/>
           </a:p>
@@ -2943,7 +2945,7 @@
           <a:p>
             <a:fld id="{5BCA7FD3-5D90-5D4B-9089-88DF3B8FE342}" type="datetimeFigureOut">
               <a:rPr lang="en-US" smtClean="0"/>
-              <a:t>2/9/22</a:t>
+              <a:t>2/9/24</a:t>
             </a:fld>
             <a:endParaRPr lang="en-US"/>
           </a:p>
@@ -5339,6 +5341,161 @@
           <p:cNvPr id="2" name="Picture 1">
             <a:extLst>
               <a:ext uri="{FF2B5EF4-FFF2-40B4-BE49-F238E27FC236}">
+                <a16:creationId xmlns:a16="http://schemas.microsoft.com/office/drawing/2014/main" id="{C4AF8387-EA8F-BB4C-82A0-2EB3ED782345}"/>
+              </a:ext>
+            </a:extLst>
+          </p:cNvPr>
+          <p:cNvPicPr>
+            <a:picLocks noChangeAspect="1"/>
+          </p:cNvPicPr>
+          <p:nvPr/>
+        </p:nvPicPr>
+        <p:blipFill>
+          <a:blip r:embed="rId2"/>
+          <a:stretch>
+            <a:fillRect/>
+          </a:stretch>
+        </p:blipFill>
+        <p:spPr>
+          <a:xfrm>
+            <a:off x="0" y="725129"/>
+            <a:ext cx="12192000" cy="5407742"/>
+          </a:xfrm>
+          <a:prstGeom prst="rect">
+            <a:avLst/>
+          </a:prstGeom>
+        </p:spPr>
+      </p:pic>
+      <p:sp>
+        <p:nvSpPr>
+          <p:cNvPr id="3" name="TextBox 2">
+            <a:extLst>
+              <a:ext uri="{FF2B5EF4-FFF2-40B4-BE49-F238E27FC236}">
+                <a16:creationId xmlns:a16="http://schemas.microsoft.com/office/drawing/2014/main" id="{9CF79434-38E9-E74A-AA39-2CC291ACC252}"/>
+              </a:ext>
+            </a:extLst>
+          </p:cNvPr>
+          <p:cNvSpPr txBox="1"/>
+          <p:nvPr/>
+        </p:nvSpPr>
+        <p:spPr>
+          <a:xfrm>
+            <a:off x="10855569" y="175846"/>
+            <a:ext cx="1265090" cy="369332"/>
+          </a:xfrm>
+          <a:prstGeom prst="rect">
+            <a:avLst/>
+          </a:prstGeom>
+          <a:noFill/>
+        </p:spPr>
+        <p:txBody>
+          <a:bodyPr wrap="none" rtlCol="0">
+            <a:spAutoFit/>
+          </a:bodyPr>
+          <a:lstStyle/>
+          <a:p>
+            <a:r>
+              <a:rPr lang="en-US" dirty="0"/>
+              <a:t>N=60=2*30</a:t>
+            </a:r>
+          </a:p>
+        </p:txBody>
+      </p:sp>
+    </p:spTree>
+    <p:extLst>
+      <p:ext uri="{BB962C8B-B14F-4D97-AF65-F5344CB8AC3E}">
+        <p14:creationId xmlns:p14="http://schemas.microsoft.com/office/powerpoint/2010/main" val="2009543525"/>
+      </p:ext>
+    </p:extLst>
+  </p:cSld>
+  <p:clrMapOvr>
+    <a:masterClrMapping/>
+  </p:clrMapOvr>
+</p:sld>
+</file>
+
+<file path=ppt/slides/slide11.xml><?xml version="1.0" encoding="utf-8"?>
+<p:sld xmlns:a="http://schemas.openxmlformats.org/drawingml/2006/main" xmlns:r="http://schemas.openxmlformats.org/officeDocument/2006/relationships" xmlns:p="http://schemas.openxmlformats.org/presentationml/2006/main">
+  <p:cSld>
+    <p:spTree>
+      <p:nvGrpSpPr>
+        <p:cNvPr id="1" name=""/>
+        <p:cNvGrpSpPr/>
+        <p:nvPr/>
+      </p:nvGrpSpPr>
+      <p:grpSpPr>
+        <a:xfrm>
+          <a:off x="0" y="0"/>
+          <a:ext cx="0" cy="0"/>
+          <a:chOff x="0" y="0"/>
+          <a:chExt cx="0" cy="0"/>
+        </a:xfrm>
+      </p:grpSpPr>
+      <p:pic>
+        <p:nvPicPr>
+          <p:cNvPr id="2" name="Picture 1">
+            <a:extLst>
+              <a:ext uri="{FF2B5EF4-FFF2-40B4-BE49-F238E27FC236}">
+                <a16:creationId xmlns:a16="http://schemas.microsoft.com/office/drawing/2014/main" id="{C7ED5700-624E-8341-A7CC-09A035E15078}"/>
+              </a:ext>
+            </a:extLst>
+          </p:cNvPr>
+          <p:cNvPicPr>
+            <a:picLocks noChangeAspect="1"/>
+          </p:cNvPicPr>
+          <p:nvPr/>
+        </p:nvPicPr>
+        <p:blipFill>
+          <a:blip r:embed="rId2"/>
+          <a:stretch>
+            <a:fillRect/>
+          </a:stretch>
+        </p:blipFill>
+        <p:spPr>
+          <a:xfrm>
+            <a:off x="0" y="725129"/>
+            <a:ext cx="12192000" cy="5407742"/>
+          </a:xfrm>
+          <a:prstGeom prst="rect">
+            <a:avLst/>
+          </a:prstGeom>
+        </p:spPr>
+      </p:pic>
+    </p:spTree>
+    <p:extLst>
+      <p:ext uri="{BB962C8B-B14F-4D97-AF65-F5344CB8AC3E}">
+        <p14:creationId xmlns:p14="http://schemas.microsoft.com/office/powerpoint/2010/main" val="1327012080"/>
+      </p:ext>
+    </p:extLst>
+  </p:cSld>
+  <p:clrMapOvr>
+    <a:masterClrMapping/>
+  </p:clrMapOvr>
+</p:sld>
+</file>
+
+<file path=ppt/slides/slide12.xml><?xml version="1.0" encoding="utf-8"?>
+<p:sld xmlns:a="http://schemas.openxmlformats.org/drawingml/2006/main" xmlns:r="http://schemas.openxmlformats.org/officeDocument/2006/relationships" xmlns:p="http://schemas.openxmlformats.org/presentationml/2006/main">
+  <p:cSld>
+    <p:spTree>
+      <p:nvGrpSpPr>
+        <p:cNvPr id="1" name=""/>
+        <p:cNvGrpSpPr/>
+        <p:nvPr/>
+      </p:nvGrpSpPr>
+      <p:grpSpPr>
+        <a:xfrm>
+          <a:off x="0" y="0"/>
+          <a:ext cx="0" cy="0"/>
+          <a:chOff x="0" y="0"/>
+          <a:chExt cx="0" cy="0"/>
+        </a:xfrm>
+      </p:grpSpPr>
+      <p:pic>
+        <p:nvPicPr>
+          <p:cNvPr id="2" name="Picture 1">
+            <a:extLst>
+              <a:ext uri="{FF2B5EF4-FFF2-40B4-BE49-F238E27FC236}">
                 <a16:creationId xmlns:a16="http://schemas.microsoft.com/office/drawing/2014/main" id="{CF921BC7-3C39-4E45-8050-D8BE63348775}"/>
               </a:ext>
             </a:extLst>
@@ -5377,7 +5534,7 @@
 </p:sld>
 </file>
 
-<file path=ppt/slides/slide11.xml><?xml version="1.0" encoding="utf-8"?>
+<file path=ppt/slides/slide13.xml><?xml version="1.0" encoding="utf-8"?>
 <p:sld xmlns:a="http://schemas.openxmlformats.org/drawingml/2006/main" xmlns:r="http://schemas.openxmlformats.org/officeDocument/2006/relationships" xmlns:p="http://schemas.openxmlformats.org/presentationml/2006/main">
   <p:cSld>
     <p:spTree>
@@ -5437,7 +5594,7 @@
 </p:sld>
 </file>
 
-<file path=ppt/slides/slide12.xml><?xml version="1.0" encoding="utf-8"?>
+<file path=ppt/slides/slide14.xml><?xml version="1.0" encoding="utf-8"?>
 <p:sld xmlns:a="http://schemas.openxmlformats.org/drawingml/2006/main" xmlns:r="http://schemas.openxmlformats.org/officeDocument/2006/relationships" xmlns:p="http://schemas.openxmlformats.org/presentationml/2006/main">
   <p:cSld>
     <p:spTree>
@@ -5532,7 +5689,7 @@
 </p:sld>
 </file>
 
-<file path=ppt/slides/slide13.xml><?xml version="1.0" encoding="utf-8"?>
+<file path=ppt/slides/slide15.xml><?xml version="1.0" encoding="utf-8"?>
 <p:sld xmlns:a="http://schemas.openxmlformats.org/drawingml/2006/main" xmlns:r="http://schemas.openxmlformats.org/officeDocument/2006/relationships" xmlns:p="http://schemas.openxmlformats.org/presentationml/2006/main">
   <p:cSld>
     <p:spTree>
@@ -5627,7 +5784,7 @@
 </p:sld>
 </file>
 
-<file path=ppt/slides/slide14.xml><?xml version="1.0" encoding="utf-8"?>
+<file path=ppt/slides/slide16.xml><?xml version="1.0" encoding="utf-8"?>
 <p:sld xmlns:a="http://schemas.openxmlformats.org/drawingml/2006/main" xmlns:r="http://schemas.openxmlformats.org/officeDocument/2006/relationships" xmlns:p="http://schemas.openxmlformats.org/presentationml/2006/main">
   <p:cSld>
     <p:spTree>
@@ -5688,6 +5845,1168 @@
 </file>
 
 <file path=ppt/slides/slide2.xml><?xml version="1.0" encoding="utf-8"?>
+<p:sld xmlns:a="http://schemas.openxmlformats.org/drawingml/2006/main" xmlns:r="http://schemas.openxmlformats.org/officeDocument/2006/relationships" xmlns:p="http://schemas.openxmlformats.org/presentationml/2006/main">
+  <p:cSld>
+    <p:spTree>
+      <p:nvGrpSpPr>
+        <p:cNvPr id="1" name="">
+          <a:extLst>
+            <a:ext uri="{FF2B5EF4-FFF2-40B4-BE49-F238E27FC236}">
+              <a16:creationId xmlns:a16="http://schemas.microsoft.com/office/drawing/2014/main" id="{F629602C-FF15-16EB-908D-83186C491C4B}"/>
+            </a:ext>
+          </a:extLst>
+        </p:cNvPr>
+        <p:cNvGrpSpPr/>
+        <p:nvPr/>
+      </p:nvGrpSpPr>
+      <p:grpSpPr>
+        <a:xfrm>
+          <a:off x="0" y="0"/>
+          <a:ext cx="0" cy="0"/>
+          <a:chOff x="0" y="0"/>
+          <a:chExt cx="0" cy="0"/>
+        </a:xfrm>
+      </p:grpSpPr>
+      <p:graphicFrame>
+        <p:nvGraphicFramePr>
+          <p:cNvPr id="5" name="Table 4">
+            <a:extLst>
+              <a:ext uri="{FF2B5EF4-FFF2-40B4-BE49-F238E27FC236}">
+                <a16:creationId xmlns:a16="http://schemas.microsoft.com/office/drawing/2014/main" id="{91BA08DA-C69E-2B87-3EE3-9E923721F5A6}"/>
+              </a:ext>
+            </a:extLst>
+          </p:cNvPr>
+          <p:cNvGraphicFramePr>
+            <a:graphicFrameLocks noGrp="1"/>
+          </p:cNvGraphicFramePr>
+          <p:nvPr>
+            <p:extLst>
+              <p:ext uri="{D42A27DB-BD31-4B8C-83A1-F6EECF244321}">
+                <p14:modId xmlns:p14="http://schemas.microsoft.com/office/powerpoint/2010/main" val="898499917"/>
+              </p:ext>
+            </p:extLst>
+          </p:nvPr>
+        </p:nvGraphicFramePr>
+        <p:xfrm>
+          <a:off x="1818526" y="2530525"/>
+          <a:ext cx="7323761" cy="1483360"/>
+        </p:xfrm>
+        <a:graphic>
+          <a:graphicData uri="http://schemas.openxmlformats.org/drawingml/2006/table">
+            <a:tbl>
+              <a:tblPr firstRow="1" bandRow="1">
+                <a:tableStyleId>{5940675A-B579-460E-94D1-54222C63F5DA}</a:tableStyleId>
+              </a:tblPr>
+              <a:tblGrid>
+                <a:gridCol w="1212350">
+                  <a:extLst>
+                    <a:ext uri="{9D8B030D-6E8A-4147-A177-3AD203B41FA5}">
+                      <a16:colId xmlns:a16="http://schemas.microsoft.com/office/drawing/2014/main" val="3901141856"/>
+                    </a:ext>
+                  </a:extLst>
+                </a:gridCol>
+                <a:gridCol w="2037137">
+                  <a:extLst>
+                    <a:ext uri="{9D8B030D-6E8A-4147-A177-3AD203B41FA5}">
+                      <a16:colId xmlns:a16="http://schemas.microsoft.com/office/drawing/2014/main" val="2754615256"/>
+                    </a:ext>
+                  </a:extLst>
+                </a:gridCol>
+                <a:gridCol w="2037137">
+                  <a:extLst>
+                    <a:ext uri="{9D8B030D-6E8A-4147-A177-3AD203B41FA5}">
+                      <a16:colId xmlns:a16="http://schemas.microsoft.com/office/drawing/2014/main" val="3232047401"/>
+                    </a:ext>
+                  </a:extLst>
+                </a:gridCol>
+                <a:gridCol w="2037137">
+                  <a:extLst>
+                    <a:ext uri="{9D8B030D-6E8A-4147-A177-3AD203B41FA5}">
+                      <a16:colId xmlns:a16="http://schemas.microsoft.com/office/drawing/2014/main" val="1377179020"/>
+                    </a:ext>
+                  </a:extLst>
+                </a:gridCol>
+              </a:tblGrid>
+              <a:tr h="370840">
+                <a:tc>
+                  <a:txBody>
+                    <a:bodyPr/>
+                    <a:lstStyle/>
+                    <a:p>
+                      <a:endParaRPr lang="en-US" dirty="0"/>
+                    </a:p>
+                  </a:txBody>
+                  <a:tcPr>
+                    <a:lnL w="12700" cmpd="sng">
+                      <a:noFill/>
+                    </a:lnL>
+                    <a:lnR w="12700" cmpd="sng">
+                      <a:noFill/>
+                    </a:lnR>
+                    <a:lnT w="12700" cmpd="sng">
+                      <a:noFill/>
+                    </a:lnT>
+                    <a:lnB w="12700" cmpd="sng">
+                      <a:noFill/>
+                    </a:lnB>
+                    <a:lnTlToBr w="12700" cmpd="sng">
+                      <a:noFill/>
+                      <a:prstDash val="solid"/>
+                    </a:lnTlToBr>
+                    <a:lnBlToTr w="12700" cmpd="sng">
+                      <a:noFill/>
+                      <a:prstDash val="solid"/>
+                    </a:lnBlToTr>
+                  </a:tcPr>
+                </a:tc>
+                <a:tc>
+                  <a:txBody>
+                    <a:bodyPr/>
+                    <a:lstStyle/>
+                    <a:p>
+                      <a:endParaRPr lang="en-US" dirty="0"/>
+                    </a:p>
+                  </a:txBody>
+                  <a:tcPr>
+                    <a:lnL w="12700" cmpd="sng">
+                      <a:noFill/>
+                    </a:lnL>
+                    <a:lnR w="12700" cmpd="sng">
+                      <a:noFill/>
+                    </a:lnR>
+                    <a:lnT w="12700" cmpd="sng">
+                      <a:noFill/>
+                    </a:lnT>
+                    <a:lnB w="12700" cmpd="sng">
+                      <a:noFill/>
+                    </a:lnB>
+                    <a:lnTlToBr w="12700" cmpd="sng">
+                      <a:noFill/>
+                      <a:prstDash val="solid"/>
+                    </a:lnTlToBr>
+                    <a:lnBlToTr w="12700" cmpd="sng">
+                      <a:noFill/>
+                      <a:prstDash val="solid"/>
+                    </a:lnBlToTr>
+                  </a:tcPr>
+                </a:tc>
+                <a:tc gridSpan="2">
+                  <a:txBody>
+                    <a:bodyPr/>
+                    <a:lstStyle/>
+                    <a:p>
+                      <a:pPr algn="ctr"/>
+                      <a:r>
+                        <a:rPr lang="en-US" b="1" dirty="0"/>
+                        <a:t>Defendant is actually</a:t>
+                      </a:r>
+                    </a:p>
+                  </a:txBody>
+                  <a:tcPr>
+                    <a:lnL w="12700" cmpd="sng">
+                      <a:noFill/>
+                    </a:lnL>
+                    <a:lnR w="12700" cmpd="sng">
+                      <a:noFill/>
+                    </a:lnR>
+                    <a:lnT w="12700" cmpd="sng">
+                      <a:noFill/>
+                    </a:lnT>
+                    <a:lnB w="12700" cmpd="sng">
+                      <a:noFill/>
+                    </a:lnB>
+                    <a:lnTlToBr w="12700" cmpd="sng">
+                      <a:noFill/>
+                      <a:prstDash val="solid"/>
+                    </a:lnTlToBr>
+                    <a:lnBlToTr w="12700" cmpd="sng">
+                      <a:noFill/>
+                      <a:prstDash val="solid"/>
+                    </a:lnBlToTr>
+                  </a:tcPr>
+                </a:tc>
+                <a:tc hMerge="1">
+                  <a:txBody>
+                    <a:bodyPr/>
+                    <a:lstStyle/>
+                    <a:p>
+                      <a:endParaRPr lang="en-US" dirty="0"/>
+                    </a:p>
+                  </a:txBody>
+                  <a:tcPr/>
+                </a:tc>
+                <a:extLst>
+                  <a:ext uri="{0D108BD9-81ED-4DB2-BD59-A6C34878D82A}">
+                    <a16:rowId xmlns:a16="http://schemas.microsoft.com/office/drawing/2014/main" val="3470915452"/>
+                  </a:ext>
+                </a:extLst>
+              </a:tr>
+              <a:tr h="370840">
+                <a:tc>
+                  <a:txBody>
+                    <a:bodyPr/>
+                    <a:lstStyle/>
+                    <a:p>
+                      <a:endParaRPr lang="en-US"/>
+                    </a:p>
+                  </a:txBody>
+                  <a:tcPr>
+                    <a:lnL w="12700" cmpd="sng">
+                      <a:noFill/>
+                    </a:lnL>
+                    <a:lnR w="12700" cmpd="sng">
+                      <a:noFill/>
+                    </a:lnR>
+                    <a:lnT w="12700" cmpd="sng">
+                      <a:noFill/>
+                    </a:lnT>
+                    <a:lnB w="12700" cmpd="sng">
+                      <a:noFill/>
+                    </a:lnB>
+                    <a:lnTlToBr w="12700" cmpd="sng">
+                      <a:noFill/>
+                      <a:prstDash val="solid"/>
+                    </a:lnTlToBr>
+                    <a:lnBlToTr w="12700" cmpd="sng">
+                      <a:noFill/>
+                      <a:prstDash val="solid"/>
+                    </a:lnBlToTr>
+                  </a:tcPr>
+                </a:tc>
+                <a:tc>
+                  <a:txBody>
+                    <a:bodyPr/>
+                    <a:lstStyle/>
+                    <a:p>
+                      <a:endParaRPr lang="en-US" dirty="0"/>
+                    </a:p>
+                  </a:txBody>
+                  <a:tcPr>
+                    <a:lnL w="12700" cmpd="sng">
+                      <a:noFill/>
+                    </a:lnL>
+                    <a:lnR w="12700" cmpd="sng">
+                      <a:noFill/>
+                    </a:lnR>
+                    <a:lnT w="12700" cmpd="sng">
+                      <a:noFill/>
+                    </a:lnT>
+                    <a:lnB w="12700" cmpd="sng">
+                      <a:noFill/>
+                    </a:lnB>
+                    <a:lnTlToBr w="12700" cmpd="sng">
+                      <a:noFill/>
+                      <a:prstDash val="solid"/>
+                    </a:lnTlToBr>
+                    <a:lnBlToTr w="12700" cmpd="sng">
+                      <a:noFill/>
+                      <a:prstDash val="solid"/>
+                    </a:lnBlToTr>
+                  </a:tcPr>
+                </a:tc>
+                <a:tc>
+                  <a:txBody>
+                    <a:bodyPr/>
+                    <a:lstStyle/>
+                    <a:p>
+                      <a:pPr algn="ctr"/>
+                      <a:r>
+                        <a:rPr lang="en-US" b="1" i="1" dirty="0"/>
+                        <a:t>Not guilty</a:t>
+                      </a:r>
+                    </a:p>
+                  </a:txBody>
+                  <a:tcPr>
+                    <a:lnL w="12700" cmpd="sng">
+                      <a:noFill/>
+                    </a:lnL>
+                    <a:lnR w="12700" cmpd="sng">
+                      <a:noFill/>
+                    </a:lnR>
+                    <a:lnT w="12700" cmpd="sng">
+                      <a:noFill/>
+                    </a:lnT>
+                    <a:lnB w="12700" cap="flat" cmpd="sng" algn="ctr">
+                      <a:solidFill>
+                        <a:schemeClr val="tx1"/>
+                      </a:solidFill>
+                      <a:prstDash val="solid"/>
+                      <a:round/>
+                      <a:headEnd type="none" w="med" len="med"/>
+                      <a:tailEnd type="none" w="med" len="med"/>
+                    </a:lnB>
+                    <a:lnTlToBr w="12700" cmpd="sng">
+                      <a:noFill/>
+                      <a:prstDash val="solid"/>
+                    </a:lnTlToBr>
+                    <a:lnBlToTr w="12700" cmpd="sng">
+                      <a:noFill/>
+                      <a:prstDash val="solid"/>
+                    </a:lnBlToTr>
+                  </a:tcPr>
+                </a:tc>
+                <a:tc>
+                  <a:txBody>
+                    <a:bodyPr/>
+                    <a:lstStyle/>
+                    <a:p>
+                      <a:pPr algn="ctr"/>
+                      <a:r>
+                        <a:rPr lang="en-US" b="1" i="1" dirty="0"/>
+                        <a:t>Guilty</a:t>
+                      </a:r>
+                    </a:p>
+                  </a:txBody>
+                  <a:tcPr>
+                    <a:lnL w="12700" cmpd="sng">
+                      <a:noFill/>
+                    </a:lnL>
+                    <a:lnR w="12700" cmpd="sng">
+                      <a:noFill/>
+                    </a:lnR>
+                    <a:lnT w="12700" cmpd="sng">
+                      <a:noFill/>
+                    </a:lnT>
+                    <a:lnB w="12700" cap="flat" cmpd="sng" algn="ctr">
+                      <a:solidFill>
+                        <a:schemeClr val="tx1"/>
+                      </a:solidFill>
+                      <a:prstDash val="solid"/>
+                      <a:round/>
+                      <a:headEnd type="none" w="med" len="med"/>
+                      <a:tailEnd type="none" w="med" len="med"/>
+                    </a:lnB>
+                    <a:lnTlToBr w="12700" cmpd="sng">
+                      <a:noFill/>
+                      <a:prstDash val="solid"/>
+                    </a:lnTlToBr>
+                    <a:lnBlToTr w="12700" cmpd="sng">
+                      <a:noFill/>
+                      <a:prstDash val="solid"/>
+                    </a:lnBlToTr>
+                  </a:tcPr>
+                </a:tc>
+                <a:extLst>
+                  <a:ext uri="{0D108BD9-81ED-4DB2-BD59-A6C34878D82A}">
+                    <a16:rowId xmlns:a16="http://schemas.microsoft.com/office/drawing/2014/main" val="816591466"/>
+                  </a:ext>
+                </a:extLst>
+              </a:tr>
+              <a:tr h="370840">
+                <a:tc rowSpan="2">
+                  <a:txBody>
+                    <a:bodyPr/>
+                    <a:lstStyle/>
+                    <a:p>
+                      <a:pPr algn="l"/>
+                      <a:r>
+                        <a:rPr lang="en-US" b="1" dirty="0"/>
+                        <a:t>Court decision</a:t>
+                      </a:r>
+                    </a:p>
+                  </a:txBody>
+                  <a:tcPr anchor="ctr">
+                    <a:lnL w="12700" cmpd="sng">
+                      <a:noFill/>
+                    </a:lnL>
+                    <a:lnR w="12700" cmpd="sng">
+                      <a:noFill/>
+                    </a:lnR>
+                    <a:lnT w="12700" cmpd="sng">
+                      <a:noFill/>
+                    </a:lnT>
+                    <a:lnB w="12700" cmpd="sng">
+                      <a:noFill/>
+                    </a:lnB>
+                    <a:lnTlToBr w="12700" cmpd="sng">
+                      <a:noFill/>
+                      <a:prstDash val="solid"/>
+                    </a:lnTlToBr>
+                    <a:lnBlToTr w="12700" cmpd="sng">
+                      <a:noFill/>
+                      <a:prstDash val="solid"/>
+                    </a:lnBlToTr>
+                  </a:tcPr>
+                </a:tc>
+                <a:tc>
+                  <a:txBody>
+                    <a:bodyPr/>
+                    <a:lstStyle/>
+                    <a:p>
+                      <a:r>
+                        <a:rPr lang="en-US" b="1" i="1" dirty="0"/>
+                        <a:t>Not guilty</a:t>
+                      </a:r>
+                    </a:p>
+                  </a:txBody>
+                  <a:tcPr>
+                    <a:lnL w="12700" cmpd="sng">
+                      <a:noFill/>
+                    </a:lnL>
+                    <a:lnR w="12700" cap="flat" cmpd="sng" algn="ctr">
+                      <a:solidFill>
+                        <a:schemeClr val="tx1"/>
+                      </a:solidFill>
+                      <a:prstDash val="solid"/>
+                      <a:round/>
+                      <a:headEnd type="none" w="med" len="med"/>
+                      <a:tailEnd type="none" w="med" len="med"/>
+                    </a:lnR>
+                    <a:lnT w="12700" cmpd="sng">
+                      <a:noFill/>
+                    </a:lnT>
+                    <a:lnB w="12700" cmpd="sng">
+                      <a:noFill/>
+                    </a:lnB>
+                    <a:lnTlToBr w="12700" cmpd="sng">
+                      <a:noFill/>
+                      <a:prstDash val="solid"/>
+                    </a:lnTlToBr>
+                    <a:lnBlToTr w="12700" cmpd="sng">
+                      <a:noFill/>
+                      <a:prstDash val="solid"/>
+                    </a:lnBlToTr>
+                  </a:tcPr>
+                </a:tc>
+                <a:tc>
+                  <a:txBody>
+                    <a:bodyPr/>
+                    <a:lstStyle/>
+                    <a:p>
+                      <a:pPr algn="ctr"/>
+                      <a:r>
+                        <a:rPr lang="en-US" dirty="0"/>
+                        <a:t>Correct</a:t>
+                      </a:r>
+                    </a:p>
+                  </a:txBody>
+                  <a:tcPr>
+                    <a:lnL w="12700" cap="flat" cmpd="sng" algn="ctr">
+                      <a:solidFill>
+                        <a:schemeClr val="tx1"/>
+                      </a:solidFill>
+                      <a:prstDash val="solid"/>
+                      <a:round/>
+                      <a:headEnd type="none" w="med" len="med"/>
+                      <a:tailEnd type="none" w="med" len="med"/>
+                    </a:lnL>
+                    <a:lnR w="12700" cmpd="sng">
+                      <a:noFill/>
+                    </a:lnR>
+                    <a:lnT w="12700" cap="flat" cmpd="sng" algn="ctr">
+                      <a:solidFill>
+                        <a:schemeClr val="tx1"/>
+                      </a:solidFill>
+                      <a:prstDash val="solid"/>
+                      <a:round/>
+                      <a:headEnd type="none" w="med" len="med"/>
+                      <a:tailEnd type="none" w="med" len="med"/>
+                    </a:lnT>
+                    <a:lnB w="12700" cmpd="sng">
+                      <a:noFill/>
+                    </a:lnB>
+                    <a:lnTlToBr w="12700" cmpd="sng">
+                      <a:noFill/>
+                      <a:prstDash val="solid"/>
+                    </a:lnTlToBr>
+                    <a:lnBlToTr w="12700" cmpd="sng">
+                      <a:noFill/>
+                      <a:prstDash val="solid"/>
+                    </a:lnBlToTr>
+                  </a:tcPr>
+                </a:tc>
+                <a:tc>
+                  <a:txBody>
+                    <a:bodyPr/>
+                    <a:lstStyle/>
+                    <a:p>
+                      <a:pPr algn="ctr"/>
+                      <a:r>
+                        <a:rPr lang="en-US" dirty="0">
+                          <a:solidFill>
+                            <a:schemeClr val="accent2"/>
+                          </a:solidFill>
+                        </a:rPr>
+                        <a:t>Type II error</a:t>
+                      </a:r>
+                    </a:p>
+                  </a:txBody>
+                  <a:tcPr>
+                    <a:lnL w="12700" cmpd="sng">
+                      <a:noFill/>
+                    </a:lnL>
+                    <a:lnR w="12700" cmpd="sng">
+                      <a:noFill/>
+                    </a:lnR>
+                    <a:lnT w="12700" cap="flat" cmpd="sng" algn="ctr">
+                      <a:solidFill>
+                        <a:schemeClr val="tx1"/>
+                      </a:solidFill>
+                      <a:prstDash val="solid"/>
+                      <a:round/>
+                      <a:headEnd type="none" w="med" len="med"/>
+                      <a:tailEnd type="none" w="med" len="med"/>
+                    </a:lnT>
+                    <a:lnB w="12700" cmpd="sng">
+                      <a:noFill/>
+                    </a:lnB>
+                    <a:lnTlToBr w="12700" cmpd="sng">
+                      <a:noFill/>
+                      <a:prstDash val="solid"/>
+                    </a:lnTlToBr>
+                    <a:lnBlToTr w="12700" cmpd="sng">
+                      <a:noFill/>
+                      <a:prstDash val="solid"/>
+                    </a:lnBlToTr>
+                  </a:tcPr>
+                </a:tc>
+                <a:extLst>
+                  <a:ext uri="{0D108BD9-81ED-4DB2-BD59-A6C34878D82A}">
+                    <a16:rowId xmlns:a16="http://schemas.microsoft.com/office/drawing/2014/main" val="3269329603"/>
+                  </a:ext>
+                </a:extLst>
+              </a:tr>
+              <a:tr h="370840">
+                <a:tc vMerge="1">
+                  <a:txBody>
+                    <a:bodyPr/>
+                    <a:lstStyle/>
+                    <a:p>
+                      <a:endParaRPr lang="en-US" dirty="0"/>
+                    </a:p>
+                  </a:txBody>
+                  <a:tcPr/>
+                </a:tc>
+                <a:tc>
+                  <a:txBody>
+                    <a:bodyPr/>
+                    <a:lstStyle/>
+                    <a:p>
+                      <a:r>
+                        <a:rPr lang="en-US" b="1" i="1" dirty="0"/>
+                        <a:t>Guilty</a:t>
+                      </a:r>
+                    </a:p>
+                  </a:txBody>
+                  <a:tcPr>
+                    <a:lnL w="12700" cmpd="sng">
+                      <a:noFill/>
+                    </a:lnL>
+                    <a:lnR w="12700" cap="flat" cmpd="sng" algn="ctr">
+                      <a:solidFill>
+                        <a:schemeClr val="tx1"/>
+                      </a:solidFill>
+                      <a:prstDash val="solid"/>
+                      <a:round/>
+                      <a:headEnd type="none" w="med" len="med"/>
+                      <a:tailEnd type="none" w="med" len="med"/>
+                    </a:lnR>
+                    <a:lnT w="12700" cmpd="sng">
+                      <a:noFill/>
+                    </a:lnT>
+                    <a:lnB w="12700" cmpd="sng">
+                      <a:noFill/>
+                    </a:lnB>
+                    <a:lnTlToBr w="12700" cmpd="sng">
+                      <a:noFill/>
+                      <a:prstDash val="solid"/>
+                    </a:lnTlToBr>
+                    <a:lnBlToTr w="12700" cmpd="sng">
+                      <a:noFill/>
+                      <a:prstDash val="solid"/>
+                    </a:lnBlToTr>
+                  </a:tcPr>
+                </a:tc>
+                <a:tc>
+                  <a:txBody>
+                    <a:bodyPr/>
+                    <a:lstStyle/>
+                    <a:p>
+                      <a:pPr algn="ctr"/>
+                      <a:r>
+                        <a:rPr lang="en-US" dirty="0">
+                          <a:solidFill>
+                            <a:srgbClr val="FF0000"/>
+                          </a:solidFill>
+                        </a:rPr>
+                        <a:t>Type I error</a:t>
+                      </a:r>
+                    </a:p>
+                  </a:txBody>
+                  <a:tcPr>
+                    <a:lnL w="12700" cap="flat" cmpd="sng" algn="ctr">
+                      <a:solidFill>
+                        <a:schemeClr val="tx1"/>
+                      </a:solidFill>
+                      <a:prstDash val="solid"/>
+                      <a:round/>
+                      <a:headEnd type="none" w="med" len="med"/>
+                      <a:tailEnd type="none" w="med" len="med"/>
+                    </a:lnL>
+                    <a:lnR w="12700" cmpd="sng">
+                      <a:noFill/>
+                    </a:lnR>
+                    <a:lnT w="12700" cmpd="sng">
+                      <a:noFill/>
+                    </a:lnT>
+                    <a:lnB w="12700" cmpd="sng">
+                      <a:noFill/>
+                    </a:lnB>
+                    <a:lnTlToBr w="12700" cmpd="sng">
+                      <a:noFill/>
+                      <a:prstDash val="solid"/>
+                    </a:lnTlToBr>
+                    <a:lnBlToTr w="12700" cmpd="sng">
+                      <a:noFill/>
+                      <a:prstDash val="solid"/>
+                    </a:lnBlToTr>
+                  </a:tcPr>
+                </a:tc>
+                <a:tc>
+                  <a:txBody>
+                    <a:bodyPr/>
+                    <a:lstStyle/>
+                    <a:p>
+                      <a:pPr algn="ctr"/>
+                      <a:r>
+                        <a:rPr lang="en-US" dirty="0"/>
+                        <a:t>Correct</a:t>
+                      </a:r>
+                    </a:p>
+                  </a:txBody>
+                  <a:tcPr>
+                    <a:lnL w="12700" cmpd="sng">
+                      <a:noFill/>
+                    </a:lnL>
+                    <a:lnR w="12700" cmpd="sng">
+                      <a:noFill/>
+                    </a:lnR>
+                    <a:lnT w="12700" cmpd="sng">
+                      <a:noFill/>
+                    </a:lnT>
+                    <a:lnB w="12700" cmpd="sng">
+                      <a:noFill/>
+                    </a:lnB>
+                    <a:lnTlToBr w="12700" cmpd="sng">
+                      <a:noFill/>
+                      <a:prstDash val="solid"/>
+                    </a:lnTlToBr>
+                    <a:lnBlToTr w="12700" cmpd="sng">
+                      <a:noFill/>
+                      <a:prstDash val="solid"/>
+                    </a:lnBlToTr>
+                  </a:tcPr>
+                </a:tc>
+                <a:extLst>
+                  <a:ext uri="{0D108BD9-81ED-4DB2-BD59-A6C34878D82A}">
+                    <a16:rowId xmlns:a16="http://schemas.microsoft.com/office/drawing/2014/main" val="1920247554"/>
+                  </a:ext>
+                </a:extLst>
+              </a:tr>
+            </a:tbl>
+          </a:graphicData>
+        </a:graphic>
+      </p:graphicFrame>
+    </p:spTree>
+    <p:extLst>
+      <p:ext uri="{BB962C8B-B14F-4D97-AF65-F5344CB8AC3E}">
+        <p14:creationId xmlns:p14="http://schemas.microsoft.com/office/powerpoint/2010/main" val="1900048713"/>
+      </p:ext>
+    </p:extLst>
+  </p:cSld>
+  <p:clrMapOvr>
+    <a:masterClrMapping/>
+  </p:clrMapOvr>
+</p:sld>
+</file>
+
+<file path=ppt/slides/slide3.xml><?xml version="1.0" encoding="utf-8"?>
+<p:sld xmlns:a="http://schemas.openxmlformats.org/drawingml/2006/main" xmlns:r="http://schemas.openxmlformats.org/officeDocument/2006/relationships" xmlns:p="http://schemas.openxmlformats.org/presentationml/2006/main">
+  <p:cSld>
+    <p:spTree>
+      <p:nvGrpSpPr>
+        <p:cNvPr id="1" name=""/>
+        <p:cNvGrpSpPr/>
+        <p:nvPr/>
+      </p:nvGrpSpPr>
+      <p:grpSpPr>
+        <a:xfrm>
+          <a:off x="0" y="0"/>
+          <a:ext cx="0" cy="0"/>
+          <a:chOff x="0" y="0"/>
+          <a:chExt cx="0" cy="0"/>
+        </a:xfrm>
+      </p:grpSpPr>
+      <p:pic>
+        <p:nvPicPr>
+          <p:cNvPr id="3" name="Graphic 2" descr="Seesaw with solid fill">
+            <a:extLst>
+              <a:ext uri="{FF2B5EF4-FFF2-40B4-BE49-F238E27FC236}">
+                <a16:creationId xmlns:a16="http://schemas.microsoft.com/office/drawing/2014/main" id="{4C42399F-881F-1296-B174-34E199991ADF}"/>
+              </a:ext>
+            </a:extLst>
+          </p:cNvPr>
+          <p:cNvPicPr>
+            <a:picLocks noChangeAspect="1"/>
+          </p:cNvPicPr>
+          <p:nvPr/>
+        </p:nvPicPr>
+        <p:blipFill>
+          <a:blip r:embed="rId2">
+            <a:extLst>
+              <a:ext uri="{96DAC541-7B7A-43D3-8B79-37D633B846F1}">
+                <asvg:svgBlip xmlns:asvg="http://schemas.microsoft.com/office/drawing/2016/SVG/main" r:embed="rId3"/>
+              </a:ext>
+            </a:extLst>
+          </a:blip>
+          <a:stretch>
+            <a:fillRect/>
+          </a:stretch>
+        </p:blipFill>
+        <p:spPr>
+          <a:xfrm>
+            <a:off x="2788515" y="2019334"/>
+            <a:ext cx="3113314" cy="3113314"/>
+          </a:xfrm>
+          <a:prstGeom prst="rect">
+            <a:avLst/>
+          </a:prstGeom>
+        </p:spPr>
+      </p:pic>
+      <mc:AlternateContent xmlns:mc="http://schemas.openxmlformats.org/markup-compatibility/2006">
+        <mc:Choice xmlns:a14="http://schemas.microsoft.com/office/drawing/2010/main" Requires="a14">
+          <p:sp>
+            <p:nvSpPr>
+              <p:cNvPr id="4" name="TextBox 3">
+                <a:extLst>
+                  <a:ext uri="{FF2B5EF4-FFF2-40B4-BE49-F238E27FC236}">
+                    <a16:creationId xmlns:a16="http://schemas.microsoft.com/office/drawing/2014/main" id="{509A46E8-2EF4-3458-043B-DEC9FB764321}"/>
+                  </a:ext>
+                </a:extLst>
+              </p:cNvPr>
+              <p:cNvSpPr txBox="1"/>
+              <p:nvPr/>
+            </p:nvSpPr>
+            <p:spPr>
+              <a:xfrm>
+                <a:off x="2596571" y="3037382"/>
+                <a:ext cx="383888" cy="538609"/>
+              </a:xfrm>
+              <a:prstGeom prst="rect">
+                <a:avLst/>
+              </a:prstGeom>
+              <a:noFill/>
+            </p:spPr>
+            <p:txBody>
+              <a:bodyPr wrap="none" lIns="0" tIns="0" rIns="0" bIns="0" rtlCol="0">
+                <a:spAutoFit/>
+              </a:bodyPr>
+              <a:lstStyle/>
+              <a:p>
+                <a14:m>
+                  <m:oMathPara xmlns:m="http://schemas.openxmlformats.org/officeDocument/2006/math">
+                    <m:oMathParaPr>
+                      <m:jc m:val="centerGroup"/>
+                    </m:oMathParaPr>
+                    <m:oMath xmlns:m="http://schemas.openxmlformats.org/officeDocument/2006/math">
+                      <m:r>
+                        <a:rPr lang="en-GB" sz="3500" i="1" smtClean="0">
+                          <a:latin typeface="Cambria Math" panose="02040503050406030204" pitchFamily="18" charset="0"/>
+                          <a:ea typeface="Cambria Math" panose="02040503050406030204" pitchFamily="18" charset="0"/>
+                        </a:rPr>
+                        <m:t>𝛼</m:t>
+                      </m:r>
+                    </m:oMath>
+                  </m:oMathPara>
+                </a14:m>
+                <a:endParaRPr lang="en-GB" sz="3500" dirty="0"/>
+              </a:p>
+            </p:txBody>
+          </p:sp>
+        </mc:Choice>
+        <mc:Fallback>
+          <p:sp>
+            <p:nvSpPr>
+              <p:cNvPr id="4" name="TextBox 3">
+                <a:extLst>
+                  <a:ext uri="{FF2B5EF4-FFF2-40B4-BE49-F238E27FC236}">
+                    <a16:creationId xmlns:a16="http://schemas.microsoft.com/office/drawing/2014/main" id="{509A46E8-2EF4-3458-043B-DEC9FB764321}"/>
+                  </a:ext>
+                </a:extLst>
+              </p:cNvPr>
+              <p:cNvSpPr txBox="1">
+                <a:spLocks noRot="1" noChangeAspect="1" noMove="1" noResize="1" noEditPoints="1" noAdjustHandles="1" noChangeArrowheads="1" noChangeShapeType="1" noTextEdit="1"/>
+              </p:cNvSpPr>
+              <p:nvPr/>
+            </p:nvSpPr>
+            <p:spPr>
+              <a:xfrm>
+                <a:off x="2596571" y="3037382"/>
+                <a:ext cx="383888" cy="538609"/>
+              </a:xfrm>
+              <a:prstGeom prst="rect">
+                <a:avLst/>
+              </a:prstGeom>
+              <a:blipFill>
+                <a:blip r:embed="rId4"/>
+                <a:stretch>
+                  <a:fillRect l="-16129" r="-12903"/>
+                </a:stretch>
+              </a:blipFill>
+            </p:spPr>
+            <p:txBody>
+              <a:bodyPr/>
+              <a:lstStyle/>
+              <a:p>
+                <a:r>
+                  <a:rPr lang="en-GB">
+                    <a:noFill/>
+                  </a:rPr>
+                  <a:t> </a:t>
+                </a:r>
+              </a:p>
+            </p:txBody>
+          </p:sp>
+        </mc:Fallback>
+      </mc:AlternateContent>
+      <mc:AlternateContent xmlns:mc="http://schemas.openxmlformats.org/markup-compatibility/2006">
+        <mc:Choice xmlns:a14="http://schemas.microsoft.com/office/drawing/2010/main" Requires="a14">
+          <p:sp>
+            <p:nvSpPr>
+              <p:cNvPr id="5" name="TextBox 4">
+                <a:extLst>
+                  <a:ext uri="{FF2B5EF4-FFF2-40B4-BE49-F238E27FC236}">
+                    <a16:creationId xmlns:a16="http://schemas.microsoft.com/office/drawing/2014/main" id="{5E137F0F-73F6-5CFB-42C8-58E706999215}"/>
+                  </a:ext>
+                </a:extLst>
+              </p:cNvPr>
+              <p:cNvSpPr txBox="1"/>
+              <p:nvPr/>
+            </p:nvSpPr>
+            <p:spPr>
+              <a:xfrm>
+                <a:off x="5417361" y="2275381"/>
+                <a:ext cx="387093" cy="538609"/>
+              </a:xfrm>
+              <a:prstGeom prst="rect">
+                <a:avLst/>
+              </a:prstGeom>
+              <a:noFill/>
+            </p:spPr>
+            <p:txBody>
+              <a:bodyPr wrap="none" lIns="0" tIns="0" rIns="0" bIns="0" rtlCol="0">
+                <a:spAutoFit/>
+              </a:bodyPr>
+              <a:lstStyle/>
+              <a:p>
+                <a14:m>
+                  <m:oMathPara xmlns:m="http://schemas.openxmlformats.org/officeDocument/2006/math">
+                    <m:oMathParaPr>
+                      <m:jc m:val="centerGroup"/>
+                    </m:oMathParaPr>
+                    <m:oMath xmlns:m="http://schemas.openxmlformats.org/officeDocument/2006/math">
+                      <m:r>
+                        <a:rPr lang="en-GB" sz="3500" i="1" smtClean="0">
+                          <a:latin typeface="Cambria Math" panose="02040503050406030204" pitchFamily="18" charset="0"/>
+                          <a:ea typeface="Cambria Math" panose="02040503050406030204" pitchFamily="18" charset="0"/>
+                        </a:rPr>
+                        <m:t>𝛽</m:t>
+                      </m:r>
+                    </m:oMath>
+                  </m:oMathPara>
+                </a14:m>
+                <a:endParaRPr lang="en-GB" sz="3500" dirty="0"/>
+              </a:p>
+            </p:txBody>
+          </p:sp>
+        </mc:Choice>
+        <mc:Fallback>
+          <p:sp>
+            <p:nvSpPr>
+              <p:cNvPr id="5" name="TextBox 4">
+                <a:extLst>
+                  <a:ext uri="{FF2B5EF4-FFF2-40B4-BE49-F238E27FC236}">
+                    <a16:creationId xmlns:a16="http://schemas.microsoft.com/office/drawing/2014/main" id="{5E137F0F-73F6-5CFB-42C8-58E706999215}"/>
+                  </a:ext>
+                </a:extLst>
+              </p:cNvPr>
+              <p:cNvSpPr txBox="1">
+                <a:spLocks noRot="1" noChangeAspect="1" noMove="1" noResize="1" noEditPoints="1" noAdjustHandles="1" noChangeArrowheads="1" noChangeShapeType="1" noTextEdit="1"/>
+              </p:cNvSpPr>
+              <p:nvPr/>
+            </p:nvSpPr>
+            <p:spPr>
+              <a:xfrm>
+                <a:off x="5417361" y="2275381"/>
+                <a:ext cx="387093" cy="538609"/>
+              </a:xfrm>
+              <a:prstGeom prst="rect">
+                <a:avLst/>
+              </a:prstGeom>
+              <a:blipFill>
+                <a:blip r:embed="rId5"/>
+                <a:stretch>
+                  <a:fillRect l="-38710" r="-35484" b="-30233"/>
+                </a:stretch>
+              </a:blipFill>
+            </p:spPr>
+            <p:txBody>
+              <a:bodyPr/>
+              <a:lstStyle/>
+              <a:p>
+                <a:r>
+                  <a:rPr lang="en-GB">
+                    <a:noFill/>
+                  </a:rPr>
+                  <a:t> </a:t>
+                </a:r>
+              </a:p>
+            </p:txBody>
+          </p:sp>
+        </mc:Fallback>
+      </mc:AlternateContent>
+      <p:pic>
+        <p:nvPicPr>
+          <p:cNvPr id="7" name="Graphic 6" descr="Seesaw with solid fill">
+            <a:extLst>
+              <a:ext uri="{FF2B5EF4-FFF2-40B4-BE49-F238E27FC236}">
+                <a16:creationId xmlns:a16="http://schemas.microsoft.com/office/drawing/2014/main" id="{7C7EB1D0-D3A9-9D52-8ADF-8E4015FADD45}"/>
+              </a:ext>
+            </a:extLst>
+          </p:cNvPr>
+          <p:cNvPicPr>
+            <a:picLocks noChangeAspect="1"/>
+          </p:cNvPicPr>
+          <p:nvPr/>
+        </p:nvPicPr>
+        <p:blipFill>
+          <a:blip r:embed="rId2">
+            <a:extLst>
+              <a:ext uri="{96DAC541-7B7A-43D3-8B79-37D633B846F1}">
+                <asvg:svgBlip xmlns:asvg="http://schemas.microsoft.com/office/drawing/2016/SVG/main" r:embed="rId3"/>
+              </a:ext>
+            </a:extLst>
+          </a:blip>
+          <a:stretch>
+            <a:fillRect/>
+          </a:stretch>
+        </p:blipFill>
+        <p:spPr>
+          <a:xfrm flipH="1">
+            <a:off x="7846828" y="1989208"/>
+            <a:ext cx="3113314" cy="3113314"/>
+          </a:xfrm>
+          <a:prstGeom prst="rect">
+            <a:avLst/>
+          </a:prstGeom>
+        </p:spPr>
+      </p:pic>
+      <mc:AlternateContent xmlns:mc="http://schemas.openxmlformats.org/markup-compatibility/2006">
+        <mc:Choice xmlns:a14="http://schemas.microsoft.com/office/drawing/2010/main" Requires="a14">
+          <p:sp>
+            <p:nvSpPr>
+              <p:cNvPr id="8" name="TextBox 7">
+                <a:extLst>
+                  <a:ext uri="{FF2B5EF4-FFF2-40B4-BE49-F238E27FC236}">
+                    <a16:creationId xmlns:a16="http://schemas.microsoft.com/office/drawing/2014/main" id="{D01EA130-B5C5-5255-8D46-FD37DC961C8A}"/>
+                  </a:ext>
+                </a:extLst>
+              </p:cNvPr>
+              <p:cNvSpPr txBox="1"/>
+              <p:nvPr/>
+            </p:nvSpPr>
+            <p:spPr>
+              <a:xfrm>
+                <a:off x="7924242" y="2245255"/>
+                <a:ext cx="383888" cy="538609"/>
+              </a:xfrm>
+              <a:prstGeom prst="rect">
+                <a:avLst/>
+              </a:prstGeom>
+              <a:noFill/>
+            </p:spPr>
+            <p:txBody>
+              <a:bodyPr wrap="none" lIns="0" tIns="0" rIns="0" bIns="0" rtlCol="0">
+                <a:spAutoFit/>
+              </a:bodyPr>
+              <a:lstStyle/>
+              <a:p>
+                <a14:m>
+                  <m:oMathPara xmlns:m="http://schemas.openxmlformats.org/officeDocument/2006/math">
+                    <m:oMathParaPr>
+                      <m:jc m:val="centerGroup"/>
+                    </m:oMathParaPr>
+                    <m:oMath xmlns:m="http://schemas.openxmlformats.org/officeDocument/2006/math">
+                      <m:r>
+                        <a:rPr lang="en-GB" sz="3500" i="1" smtClean="0">
+                          <a:latin typeface="Cambria Math" panose="02040503050406030204" pitchFamily="18" charset="0"/>
+                          <a:ea typeface="Cambria Math" panose="02040503050406030204" pitchFamily="18" charset="0"/>
+                        </a:rPr>
+                        <m:t>𝛼</m:t>
+                      </m:r>
+                    </m:oMath>
+                  </m:oMathPara>
+                </a14:m>
+                <a:endParaRPr lang="en-GB" sz="3500" dirty="0"/>
+              </a:p>
+            </p:txBody>
+          </p:sp>
+        </mc:Choice>
+        <mc:Fallback>
+          <p:sp>
+            <p:nvSpPr>
+              <p:cNvPr id="8" name="TextBox 7">
+                <a:extLst>
+                  <a:ext uri="{FF2B5EF4-FFF2-40B4-BE49-F238E27FC236}">
+                    <a16:creationId xmlns:a16="http://schemas.microsoft.com/office/drawing/2014/main" id="{D01EA130-B5C5-5255-8D46-FD37DC961C8A}"/>
+                  </a:ext>
+                </a:extLst>
+              </p:cNvPr>
+              <p:cNvSpPr txBox="1">
+                <a:spLocks noRot="1" noChangeAspect="1" noMove="1" noResize="1" noEditPoints="1" noAdjustHandles="1" noChangeArrowheads="1" noChangeShapeType="1" noTextEdit="1"/>
+              </p:cNvSpPr>
+              <p:nvPr/>
+            </p:nvSpPr>
+            <p:spPr>
+              <a:xfrm>
+                <a:off x="7924242" y="2245255"/>
+                <a:ext cx="383888" cy="538609"/>
+              </a:xfrm>
+              <a:prstGeom prst="rect">
+                <a:avLst/>
+              </a:prstGeom>
+              <a:blipFill>
+                <a:blip r:embed="rId6"/>
+                <a:stretch>
+                  <a:fillRect l="-16129" r="-9677"/>
+                </a:stretch>
+              </a:blipFill>
+            </p:spPr>
+            <p:txBody>
+              <a:bodyPr/>
+              <a:lstStyle/>
+              <a:p>
+                <a:r>
+                  <a:rPr lang="en-GB">
+                    <a:noFill/>
+                  </a:rPr>
+                  <a:t> </a:t>
+                </a:r>
+              </a:p>
+            </p:txBody>
+          </p:sp>
+        </mc:Fallback>
+      </mc:AlternateContent>
+      <mc:AlternateContent xmlns:mc="http://schemas.openxmlformats.org/markup-compatibility/2006">
+        <mc:Choice xmlns:a14="http://schemas.microsoft.com/office/drawing/2010/main" Requires="a14">
+          <p:sp>
+            <p:nvSpPr>
+              <p:cNvPr id="9" name="TextBox 8">
+                <a:extLst>
+                  <a:ext uri="{FF2B5EF4-FFF2-40B4-BE49-F238E27FC236}">
+                    <a16:creationId xmlns:a16="http://schemas.microsoft.com/office/drawing/2014/main" id="{0B860B46-ABAE-E662-9B9D-A80A4A7C5AAB}"/>
+                  </a:ext>
+                </a:extLst>
+              </p:cNvPr>
+              <p:cNvSpPr txBox="1"/>
+              <p:nvPr/>
+            </p:nvSpPr>
+            <p:spPr>
+              <a:xfrm>
+                <a:off x="10699814" y="3044377"/>
+                <a:ext cx="387093" cy="538609"/>
+              </a:xfrm>
+              <a:prstGeom prst="rect">
+                <a:avLst/>
+              </a:prstGeom>
+              <a:noFill/>
+            </p:spPr>
+            <p:txBody>
+              <a:bodyPr wrap="none" lIns="0" tIns="0" rIns="0" bIns="0" rtlCol="0">
+                <a:spAutoFit/>
+              </a:bodyPr>
+              <a:lstStyle/>
+              <a:p>
+                <a14:m>
+                  <m:oMathPara xmlns:m="http://schemas.openxmlformats.org/officeDocument/2006/math">
+                    <m:oMathParaPr>
+                      <m:jc m:val="centerGroup"/>
+                    </m:oMathParaPr>
+                    <m:oMath xmlns:m="http://schemas.openxmlformats.org/officeDocument/2006/math">
+                      <m:r>
+                        <a:rPr lang="en-GB" sz="3500" i="1" smtClean="0">
+                          <a:latin typeface="Cambria Math" panose="02040503050406030204" pitchFamily="18" charset="0"/>
+                          <a:ea typeface="Cambria Math" panose="02040503050406030204" pitchFamily="18" charset="0"/>
+                        </a:rPr>
+                        <m:t>𝛽</m:t>
+                      </m:r>
+                    </m:oMath>
+                  </m:oMathPara>
+                </a14:m>
+                <a:endParaRPr lang="en-GB" sz="3500" dirty="0"/>
+              </a:p>
+            </p:txBody>
+          </p:sp>
+        </mc:Choice>
+        <mc:Fallback>
+          <p:sp>
+            <p:nvSpPr>
+              <p:cNvPr id="9" name="TextBox 8">
+                <a:extLst>
+                  <a:ext uri="{FF2B5EF4-FFF2-40B4-BE49-F238E27FC236}">
+                    <a16:creationId xmlns:a16="http://schemas.microsoft.com/office/drawing/2014/main" id="{0B860B46-ABAE-E662-9B9D-A80A4A7C5AAB}"/>
+                  </a:ext>
+                </a:extLst>
+              </p:cNvPr>
+              <p:cNvSpPr txBox="1">
+                <a:spLocks noRot="1" noChangeAspect="1" noMove="1" noResize="1" noEditPoints="1" noAdjustHandles="1" noChangeArrowheads="1" noChangeShapeType="1" noTextEdit="1"/>
+              </p:cNvSpPr>
+              <p:nvPr/>
+            </p:nvSpPr>
+            <p:spPr>
+              <a:xfrm>
+                <a:off x="10699814" y="3044377"/>
+                <a:ext cx="387093" cy="538609"/>
+              </a:xfrm>
+              <a:prstGeom prst="rect">
+                <a:avLst/>
+              </a:prstGeom>
+              <a:blipFill>
+                <a:blip r:embed="rId7"/>
+                <a:stretch>
+                  <a:fillRect l="-37500" r="-31250" b="-29545"/>
+                </a:stretch>
+              </a:blipFill>
+            </p:spPr>
+            <p:txBody>
+              <a:bodyPr/>
+              <a:lstStyle/>
+              <a:p>
+                <a:r>
+                  <a:rPr lang="en-GB">
+                    <a:noFill/>
+                  </a:rPr>
+                  <a:t> </a:t>
+                </a:r>
+              </a:p>
+            </p:txBody>
+          </p:sp>
+        </mc:Fallback>
+      </mc:AlternateContent>
+    </p:spTree>
+    <p:extLst>
+      <p:ext uri="{BB962C8B-B14F-4D97-AF65-F5344CB8AC3E}">
+        <p14:creationId xmlns:p14="http://schemas.microsoft.com/office/powerpoint/2010/main" val="2747900309"/>
+      </p:ext>
+    </p:extLst>
+  </p:cSld>
+  <p:clrMapOvr>
+    <a:masterClrMapping/>
+  </p:clrMapOvr>
+</p:sld>
+</file>
+
+<file path=ppt/slides/slide4.xml><?xml version="1.0" encoding="utf-8"?>
 <p:sld xmlns:a="http://schemas.openxmlformats.org/drawingml/2006/main" xmlns:r="http://schemas.openxmlformats.org/officeDocument/2006/relationships" xmlns:p="http://schemas.openxmlformats.org/presentationml/2006/main">
   <p:cSld>
     <p:spTree>
@@ -6394,7 +7713,7 @@
 </p:sld>
 </file>
 
-<file path=ppt/slides/slide3.xml><?xml version="1.0" encoding="utf-8"?>
+<file path=ppt/slides/slide5.xml><?xml version="1.0" encoding="utf-8"?>
 <p:sld xmlns:a="http://schemas.openxmlformats.org/drawingml/2006/main" xmlns:r="http://schemas.openxmlformats.org/officeDocument/2006/relationships" xmlns:p="http://schemas.openxmlformats.org/presentationml/2006/main">
   <p:cSld>
     <p:spTree>
@@ -6424,7 +7743,7 @@
 </p:sld>
 </file>
 
-<file path=ppt/slides/slide4.xml><?xml version="1.0" encoding="utf-8"?>
+<file path=ppt/slides/slide6.xml><?xml version="1.0" encoding="utf-8"?>
 <p:sld xmlns:a="http://schemas.openxmlformats.org/drawingml/2006/main" xmlns:r="http://schemas.openxmlformats.org/officeDocument/2006/relationships" xmlns:p="http://schemas.openxmlformats.org/presentationml/2006/main">
   <p:cSld>
     <p:spTree>
@@ -6484,7 +7803,7 @@
 </p:sld>
 </file>
 
-<file path=ppt/slides/slide5.xml><?xml version="1.0" encoding="utf-8"?>
+<file path=ppt/slides/slide7.xml><?xml version="1.0" encoding="utf-8"?>
 <p:sld xmlns:a="http://schemas.openxmlformats.org/drawingml/2006/main" xmlns:r="http://schemas.openxmlformats.org/officeDocument/2006/relationships" xmlns:p="http://schemas.openxmlformats.org/presentationml/2006/main">
   <p:cSld>
     <p:spTree>
@@ -6544,7 +7863,7 @@
 </p:sld>
 </file>
 
-<file path=ppt/slides/slide6.xml><?xml version="1.0" encoding="utf-8"?>
+<file path=ppt/slides/slide8.xml><?xml version="1.0" encoding="utf-8"?>
 <p:sld xmlns:a="http://schemas.openxmlformats.org/drawingml/2006/main" xmlns:r="http://schemas.openxmlformats.org/officeDocument/2006/relationships" xmlns:p="http://schemas.openxmlformats.org/presentationml/2006/main">
   <p:cSld>
     <p:spTree>
@@ -6604,7 +7923,7 @@
 </p:sld>
 </file>
 
-<file path=ppt/slides/slide7.xml><?xml version="1.0" encoding="utf-8"?>
+<file path=ppt/slides/slide9.xml><?xml version="1.0" encoding="utf-8"?>
 <p:sld xmlns:a="http://schemas.openxmlformats.org/drawingml/2006/main" xmlns:r="http://schemas.openxmlformats.org/officeDocument/2006/relationships" xmlns:p="http://schemas.openxmlformats.org/presentationml/2006/main">
   <p:cSld>
     <p:spTree>
@@ -6655,161 +7974,6 @@
     <p:extLst>
       <p:ext uri="{BB962C8B-B14F-4D97-AF65-F5344CB8AC3E}">
         <p14:creationId xmlns:p14="http://schemas.microsoft.com/office/powerpoint/2010/main" val="3922073717"/>
-      </p:ext>
-    </p:extLst>
-  </p:cSld>
-  <p:clrMapOvr>
-    <a:masterClrMapping/>
-  </p:clrMapOvr>
-</p:sld>
-</file>
-
-<file path=ppt/slides/slide8.xml><?xml version="1.0" encoding="utf-8"?>
-<p:sld xmlns:a="http://schemas.openxmlformats.org/drawingml/2006/main" xmlns:r="http://schemas.openxmlformats.org/officeDocument/2006/relationships" xmlns:p="http://schemas.openxmlformats.org/presentationml/2006/main">
-  <p:cSld>
-    <p:spTree>
-      <p:nvGrpSpPr>
-        <p:cNvPr id="1" name=""/>
-        <p:cNvGrpSpPr/>
-        <p:nvPr/>
-      </p:nvGrpSpPr>
-      <p:grpSpPr>
-        <a:xfrm>
-          <a:off x="0" y="0"/>
-          <a:ext cx="0" cy="0"/>
-          <a:chOff x="0" y="0"/>
-          <a:chExt cx="0" cy="0"/>
-        </a:xfrm>
-      </p:grpSpPr>
-      <p:pic>
-        <p:nvPicPr>
-          <p:cNvPr id="2" name="Picture 1">
-            <a:extLst>
-              <a:ext uri="{FF2B5EF4-FFF2-40B4-BE49-F238E27FC236}">
-                <a16:creationId xmlns:a16="http://schemas.microsoft.com/office/drawing/2014/main" id="{C4AF8387-EA8F-BB4C-82A0-2EB3ED782345}"/>
-              </a:ext>
-            </a:extLst>
-          </p:cNvPr>
-          <p:cNvPicPr>
-            <a:picLocks noChangeAspect="1"/>
-          </p:cNvPicPr>
-          <p:nvPr/>
-        </p:nvPicPr>
-        <p:blipFill>
-          <a:blip r:embed="rId2"/>
-          <a:stretch>
-            <a:fillRect/>
-          </a:stretch>
-        </p:blipFill>
-        <p:spPr>
-          <a:xfrm>
-            <a:off x="0" y="725129"/>
-            <a:ext cx="12192000" cy="5407742"/>
-          </a:xfrm>
-          <a:prstGeom prst="rect">
-            <a:avLst/>
-          </a:prstGeom>
-        </p:spPr>
-      </p:pic>
-      <p:sp>
-        <p:nvSpPr>
-          <p:cNvPr id="3" name="TextBox 2">
-            <a:extLst>
-              <a:ext uri="{FF2B5EF4-FFF2-40B4-BE49-F238E27FC236}">
-                <a16:creationId xmlns:a16="http://schemas.microsoft.com/office/drawing/2014/main" id="{9CF79434-38E9-E74A-AA39-2CC291ACC252}"/>
-              </a:ext>
-            </a:extLst>
-          </p:cNvPr>
-          <p:cNvSpPr txBox="1"/>
-          <p:nvPr/>
-        </p:nvSpPr>
-        <p:spPr>
-          <a:xfrm>
-            <a:off x="10855569" y="175846"/>
-            <a:ext cx="1265090" cy="369332"/>
-          </a:xfrm>
-          <a:prstGeom prst="rect">
-            <a:avLst/>
-          </a:prstGeom>
-          <a:noFill/>
-        </p:spPr>
-        <p:txBody>
-          <a:bodyPr wrap="none" rtlCol="0">
-            <a:spAutoFit/>
-          </a:bodyPr>
-          <a:lstStyle/>
-          <a:p>
-            <a:r>
-              <a:rPr lang="en-US" dirty="0"/>
-              <a:t>N=60=2*30</a:t>
-            </a:r>
-          </a:p>
-        </p:txBody>
-      </p:sp>
-    </p:spTree>
-    <p:extLst>
-      <p:ext uri="{BB962C8B-B14F-4D97-AF65-F5344CB8AC3E}">
-        <p14:creationId xmlns:p14="http://schemas.microsoft.com/office/powerpoint/2010/main" val="2009543525"/>
-      </p:ext>
-    </p:extLst>
-  </p:cSld>
-  <p:clrMapOvr>
-    <a:masterClrMapping/>
-  </p:clrMapOvr>
-</p:sld>
-</file>
-
-<file path=ppt/slides/slide9.xml><?xml version="1.0" encoding="utf-8"?>
-<p:sld xmlns:a="http://schemas.openxmlformats.org/drawingml/2006/main" xmlns:r="http://schemas.openxmlformats.org/officeDocument/2006/relationships" xmlns:p="http://schemas.openxmlformats.org/presentationml/2006/main">
-  <p:cSld>
-    <p:spTree>
-      <p:nvGrpSpPr>
-        <p:cNvPr id="1" name=""/>
-        <p:cNvGrpSpPr/>
-        <p:nvPr/>
-      </p:nvGrpSpPr>
-      <p:grpSpPr>
-        <a:xfrm>
-          <a:off x="0" y="0"/>
-          <a:ext cx="0" cy="0"/>
-          <a:chOff x="0" y="0"/>
-          <a:chExt cx="0" cy="0"/>
-        </a:xfrm>
-      </p:grpSpPr>
-      <p:pic>
-        <p:nvPicPr>
-          <p:cNvPr id="2" name="Picture 1">
-            <a:extLst>
-              <a:ext uri="{FF2B5EF4-FFF2-40B4-BE49-F238E27FC236}">
-                <a16:creationId xmlns:a16="http://schemas.microsoft.com/office/drawing/2014/main" id="{C7ED5700-624E-8341-A7CC-09A035E15078}"/>
-              </a:ext>
-            </a:extLst>
-          </p:cNvPr>
-          <p:cNvPicPr>
-            <a:picLocks noChangeAspect="1"/>
-          </p:cNvPicPr>
-          <p:nvPr/>
-        </p:nvPicPr>
-        <p:blipFill>
-          <a:blip r:embed="rId2"/>
-          <a:stretch>
-            <a:fillRect/>
-          </a:stretch>
-        </p:blipFill>
-        <p:spPr>
-          <a:xfrm>
-            <a:off x="0" y="725129"/>
-            <a:ext cx="12192000" cy="5407742"/>
-          </a:xfrm>
-          <a:prstGeom prst="rect">
-            <a:avLst/>
-          </a:prstGeom>
-        </p:spPr>
-      </p:pic>
-    </p:spTree>
-    <p:extLst>
-      <p:ext uri="{BB962C8B-B14F-4D97-AF65-F5344CB8AC3E}">
-        <p14:creationId xmlns:p14="http://schemas.microsoft.com/office/powerpoint/2010/main" val="1327012080"/>
       </p:ext>
     </p:extLst>
   </p:cSld>

--- a/dapr1_lectures/dapr1_2_05_errorspower/images/ht-errors.pptx
+++ b/dapr1_lectures/dapr1_2_05_errorspower/images/ht-errors.pptx
@@ -276,7 +276,7 @@
           <a:p>
             <a:fld id="{5BCA7FD3-5D90-5D4B-9089-88DF3B8FE342}" type="datetimeFigureOut">
               <a:rPr lang="en-US" smtClean="0"/>
-              <a:t>2/9/24</a:t>
+              <a:t>2/6/25</a:t>
             </a:fld>
             <a:endParaRPr lang="en-US"/>
           </a:p>
@@ -476,7 +476,7 @@
           <a:p>
             <a:fld id="{5BCA7FD3-5D90-5D4B-9089-88DF3B8FE342}" type="datetimeFigureOut">
               <a:rPr lang="en-US" smtClean="0"/>
-              <a:t>2/9/24</a:t>
+              <a:t>2/6/25</a:t>
             </a:fld>
             <a:endParaRPr lang="en-US"/>
           </a:p>
@@ -686,7 +686,7 @@
           <a:p>
             <a:fld id="{5BCA7FD3-5D90-5D4B-9089-88DF3B8FE342}" type="datetimeFigureOut">
               <a:rPr lang="en-US" smtClean="0"/>
-              <a:t>2/9/24</a:t>
+              <a:t>2/6/25</a:t>
             </a:fld>
             <a:endParaRPr lang="en-US"/>
           </a:p>
@@ -886,7 +886,7 @@
           <a:p>
             <a:fld id="{5BCA7FD3-5D90-5D4B-9089-88DF3B8FE342}" type="datetimeFigureOut">
               <a:rPr lang="en-US" smtClean="0"/>
-              <a:t>2/9/24</a:t>
+              <a:t>2/6/25</a:t>
             </a:fld>
             <a:endParaRPr lang="en-US"/>
           </a:p>
@@ -1162,7 +1162,7 @@
           <a:p>
             <a:fld id="{5BCA7FD3-5D90-5D4B-9089-88DF3B8FE342}" type="datetimeFigureOut">
               <a:rPr lang="en-US" smtClean="0"/>
-              <a:t>2/9/24</a:t>
+              <a:t>2/6/25</a:t>
             </a:fld>
             <a:endParaRPr lang="en-US"/>
           </a:p>
@@ -1430,7 +1430,7 @@
           <a:p>
             <a:fld id="{5BCA7FD3-5D90-5D4B-9089-88DF3B8FE342}" type="datetimeFigureOut">
               <a:rPr lang="en-US" smtClean="0"/>
-              <a:t>2/9/24</a:t>
+              <a:t>2/6/25</a:t>
             </a:fld>
             <a:endParaRPr lang="en-US"/>
           </a:p>
@@ -1845,7 +1845,7 @@
           <a:p>
             <a:fld id="{5BCA7FD3-5D90-5D4B-9089-88DF3B8FE342}" type="datetimeFigureOut">
               <a:rPr lang="en-US" smtClean="0"/>
-              <a:t>2/9/24</a:t>
+              <a:t>2/6/25</a:t>
             </a:fld>
             <a:endParaRPr lang="en-US"/>
           </a:p>
@@ -1987,7 +1987,7 @@
           <a:p>
             <a:fld id="{5BCA7FD3-5D90-5D4B-9089-88DF3B8FE342}" type="datetimeFigureOut">
               <a:rPr lang="en-US" smtClean="0"/>
-              <a:t>2/9/24</a:t>
+              <a:t>2/6/25</a:t>
             </a:fld>
             <a:endParaRPr lang="en-US"/>
           </a:p>
@@ -2100,7 +2100,7 @@
           <a:p>
             <a:fld id="{5BCA7FD3-5D90-5D4B-9089-88DF3B8FE342}" type="datetimeFigureOut">
               <a:rPr lang="en-US" smtClean="0"/>
-              <a:t>2/9/24</a:t>
+              <a:t>2/6/25</a:t>
             </a:fld>
             <a:endParaRPr lang="en-US"/>
           </a:p>
@@ -2413,7 +2413,7 @@
           <a:p>
             <a:fld id="{5BCA7FD3-5D90-5D4B-9089-88DF3B8FE342}" type="datetimeFigureOut">
               <a:rPr lang="en-US" smtClean="0"/>
-              <a:t>2/9/24</a:t>
+              <a:t>2/6/25</a:t>
             </a:fld>
             <a:endParaRPr lang="en-US"/>
           </a:p>
@@ -2702,7 +2702,7 @@
           <a:p>
             <a:fld id="{5BCA7FD3-5D90-5D4B-9089-88DF3B8FE342}" type="datetimeFigureOut">
               <a:rPr lang="en-US" smtClean="0"/>
-              <a:t>2/9/24</a:t>
+              <a:t>2/6/25</a:t>
             </a:fld>
             <a:endParaRPr lang="en-US"/>
           </a:p>
@@ -2945,7 +2945,7 @@
           <a:p>
             <a:fld id="{5BCA7FD3-5D90-5D4B-9089-88DF3B8FE342}" type="datetimeFigureOut">
               <a:rPr lang="en-US" smtClean="0"/>
-              <a:t>2/9/24</a:t>
+              <a:t>2/6/25</a:t>
             </a:fld>
             <a:endParaRPr lang="en-US"/>
           </a:p>
@@ -6507,6 +6507,36 @@
           </a:graphicData>
         </a:graphic>
       </p:graphicFrame>
+      <p:pic>
+        <p:nvPicPr>
+          <p:cNvPr id="2" name="Picture 1">
+            <a:extLst>
+              <a:ext uri="{FF2B5EF4-FFF2-40B4-BE49-F238E27FC236}">
+                <a16:creationId xmlns:a16="http://schemas.microsoft.com/office/drawing/2014/main" id="{D3190462-AED6-85B0-C16D-2D2D7B6A451C}"/>
+              </a:ext>
+            </a:extLst>
+          </p:cNvPr>
+          <p:cNvPicPr>
+            <a:picLocks noChangeAspect="1"/>
+          </p:cNvPicPr>
+          <p:nvPr/>
+        </p:nvPicPr>
+        <p:blipFill>
+          <a:blip r:embed="rId2"/>
+          <a:stretch>
+            <a:fillRect/>
+          </a:stretch>
+        </p:blipFill>
+        <p:spPr>
+          <a:xfrm>
+            <a:off x="1818526" y="4410700"/>
+            <a:ext cx="7772400" cy="1805709"/>
+          </a:xfrm>
+          <a:prstGeom prst="rect">
+            <a:avLst/>
+          </a:prstGeom>
+        </p:spPr>
+      </p:pic>
     </p:spTree>
     <p:extLst>
       <p:ext uri="{BB962C8B-B14F-4D97-AF65-F5344CB8AC3E}">
@@ -6573,8 +6603,8 @@
           </a:prstGeom>
         </p:spPr>
       </p:pic>
-      <mc:AlternateContent xmlns:mc="http://schemas.openxmlformats.org/markup-compatibility/2006">
-        <mc:Choice xmlns:a14="http://schemas.microsoft.com/office/drawing/2010/main" Requires="a14">
+      <mc:AlternateContent xmlns:mc="http://schemas.openxmlformats.org/markup-compatibility/2006" xmlns:a14="http://schemas.microsoft.com/office/drawing/2010/main">
+        <mc:Choice Requires="a14">
           <p:sp>
             <p:nvSpPr>
               <p:cNvPr id="4" name="TextBox 3">
@@ -6603,6 +6633,7 @@
               </a:bodyPr>
               <a:lstStyle/>
               <a:p>
+                <a:pPr/>
                 <a14:m>
                   <m:oMathPara xmlns:m="http://schemas.openxmlformats.org/officeDocument/2006/math">
                     <m:oMathParaPr>
@@ -6624,7 +6655,7 @@
             </p:txBody>
           </p:sp>
         </mc:Choice>
-        <mc:Fallback>
+        <mc:Fallback xmlns="">
           <p:sp>
             <p:nvSpPr>
               <p:cNvPr id="4" name="TextBox 3">
@@ -6669,8 +6700,8 @@
           </p:sp>
         </mc:Fallback>
       </mc:AlternateContent>
-      <mc:AlternateContent xmlns:mc="http://schemas.openxmlformats.org/markup-compatibility/2006">
-        <mc:Choice xmlns:a14="http://schemas.microsoft.com/office/drawing/2010/main" Requires="a14">
+      <mc:AlternateContent xmlns:mc="http://schemas.openxmlformats.org/markup-compatibility/2006" xmlns:a14="http://schemas.microsoft.com/office/drawing/2010/main">
+        <mc:Choice Requires="a14">
           <p:sp>
             <p:nvSpPr>
               <p:cNvPr id="5" name="TextBox 4">
@@ -6699,6 +6730,7 @@
               </a:bodyPr>
               <a:lstStyle/>
               <a:p>
+                <a:pPr/>
                 <a14:m>
                   <m:oMathPara xmlns:m="http://schemas.openxmlformats.org/officeDocument/2006/math">
                     <m:oMathParaPr>
@@ -6720,7 +6752,7 @@
             </p:txBody>
           </p:sp>
         </mc:Choice>
-        <mc:Fallback>
+        <mc:Fallback xmlns="">
           <p:sp>
             <p:nvSpPr>
               <p:cNvPr id="5" name="TextBox 4">
@@ -6801,8 +6833,8 @@
           </a:prstGeom>
         </p:spPr>
       </p:pic>
-      <mc:AlternateContent xmlns:mc="http://schemas.openxmlformats.org/markup-compatibility/2006">
-        <mc:Choice xmlns:a14="http://schemas.microsoft.com/office/drawing/2010/main" Requires="a14">
+      <mc:AlternateContent xmlns:mc="http://schemas.openxmlformats.org/markup-compatibility/2006" xmlns:a14="http://schemas.microsoft.com/office/drawing/2010/main">
+        <mc:Choice Requires="a14">
           <p:sp>
             <p:nvSpPr>
               <p:cNvPr id="8" name="TextBox 7">
@@ -6831,6 +6863,7 @@
               </a:bodyPr>
               <a:lstStyle/>
               <a:p>
+                <a:pPr/>
                 <a14:m>
                   <m:oMathPara xmlns:m="http://schemas.openxmlformats.org/officeDocument/2006/math">
                     <m:oMathParaPr>
@@ -6852,7 +6885,7 @@
             </p:txBody>
           </p:sp>
         </mc:Choice>
-        <mc:Fallback>
+        <mc:Fallback xmlns="">
           <p:sp>
             <p:nvSpPr>
               <p:cNvPr id="8" name="TextBox 7">
@@ -6897,8 +6930,8 @@
           </p:sp>
         </mc:Fallback>
       </mc:AlternateContent>
-      <mc:AlternateContent xmlns:mc="http://schemas.openxmlformats.org/markup-compatibility/2006">
-        <mc:Choice xmlns:a14="http://schemas.microsoft.com/office/drawing/2010/main" Requires="a14">
+      <mc:AlternateContent xmlns:mc="http://schemas.openxmlformats.org/markup-compatibility/2006" xmlns:a14="http://schemas.microsoft.com/office/drawing/2010/main">
+        <mc:Choice Requires="a14">
           <p:sp>
             <p:nvSpPr>
               <p:cNvPr id="9" name="TextBox 8">
@@ -6927,6 +6960,7 @@
               </a:bodyPr>
               <a:lstStyle/>
               <a:p>
+                <a:pPr/>
                 <a14:m>
                   <m:oMathPara xmlns:m="http://schemas.openxmlformats.org/officeDocument/2006/math">
                     <m:oMathParaPr>
@@ -6948,7 +6982,7 @@
             </p:txBody>
           </p:sp>
         </mc:Choice>
-        <mc:Fallback>
+        <mc:Fallback xmlns="">
           <p:sp>
             <p:nvSpPr>
               <p:cNvPr id="9" name="TextBox 8">
